--- a/004/lesson_4.pptx
+++ b/004/lesson_4.pptx
@@ -28,7 +28,7 @@
   <p:notesSz cx="6858000" cy="9144000"/>
   <p:embeddedFontLst>
     <p:embeddedFont>
-      <p:font typeface="Abril Fatface" panose="02000503000000020003" pitchFamily="2" charset="0"/>
+      <p:font typeface="Abril Fatface" panose="02000503000000020003" pitchFamily="2" charset="77"/>
       <p:regular r:id="rId18"/>
     </p:embeddedFont>
     <p:embeddedFont>
@@ -46,7 +46,7 @@
       <p:boldItalic r:id="rId26"/>
     </p:embeddedFont>
     <p:embeddedFont>
-      <p:font typeface="Roboto Mono" panose="00000009000000000000" pitchFamily="49" charset="0"/>
+      <p:font typeface="Roboto Mono" pitchFamily="49" charset="0"/>
       <p:regular r:id="rId27"/>
       <p:bold r:id="rId28"/>
       <p:italic r:id="rId29"/>
@@ -18119,7 +18119,7 @@
             </a:pPr>
             <a:r>
               <a:rPr lang="en-US" sz="1600" dirty="0" err="1"/>
-              <a:t>Baue</a:t>
+              <a:t>Erstelle</a:t>
             </a:r>
             <a:r>
               <a:rPr lang="en-US" sz="1600" dirty="0"/>
@@ -18594,7 +18594,7 @@
             </a:r>
             <a:r>
               <a:rPr lang="en-US" sz="1600" dirty="0" err="1"/>
-              <a:t>initialisieren</a:t>
+              <a:t>Initialisieren</a:t>
             </a:r>
             <a:r>
               <a:rPr lang="en-US" sz="1600" dirty="0"/>
@@ -18610,11 +18610,27 @@
             </a:r>
             <a:r>
               <a:rPr lang="en-US" sz="1600" dirty="0" err="1"/>
-              <a:t>Zufällige</a:t>
+              <a:t>zufällige</a:t>
             </a:r>
             <a:r>
               <a:rPr lang="en-US" sz="1600" dirty="0"/>
-              <a:t> Nummer und </a:t>
+              <a:t> </a:t>
+            </a:r>
+            <a:r>
+              <a:rPr lang="en-US" sz="1600" dirty="0" err="1"/>
+              <a:t>Nummer</a:t>
+            </a:r>
+            <a:r>
+              <a:rPr lang="en-US" sz="1600" dirty="0"/>
+              <a:t> (</a:t>
+            </a:r>
+            <a:r>
+              <a:rPr lang="en-US" sz="1600" dirty="0" err="1"/>
+              <a:t>zwischen</a:t>
+            </a:r>
+            <a:r>
+              <a:rPr lang="en-US" sz="1600" dirty="0"/>
+              <a:t> 1 und 10000) und </a:t>
             </a:r>
             <a:r>
               <a:rPr lang="en-US" sz="1600" dirty="0" err="1"/>
@@ -18694,7 +18710,7 @@
             </a:r>
             <a:r>
               <a:rPr lang="en-US" sz="1600" dirty="0"/>
-              <a:t> </a:t>
+              <a:t> von 50.000€ </a:t>
             </a:r>
             <a:r>
               <a:rPr lang="en-US" sz="1600" dirty="0" err="1"/>
@@ -18714,7 +18730,7 @@
             </a:r>
             <a:r>
               <a:rPr lang="en-US" sz="1600" dirty="0" err="1"/>
-              <a:t>eine</a:t>
+              <a:t>entsprechende</a:t>
             </a:r>
             <a:r>
               <a:rPr lang="en-US" sz="1600" dirty="0"/>
@@ -18722,11 +18738,35 @@
             </a:r>
             <a:r>
               <a:rPr lang="en-US" sz="1600" dirty="0" err="1"/>
+              <a:t>Variablen</a:t>
+            </a:r>
+            <a:r>
+              <a:rPr lang="en-US" sz="1600" dirty="0"/>
+              <a:t> und </a:t>
+            </a:r>
+            <a:r>
+              <a:rPr lang="en-US" sz="1600" dirty="0" err="1"/>
+              <a:t>eine</a:t>
+            </a:r>
+            <a:r>
+              <a:rPr lang="en-US" sz="1600" dirty="0"/>
+              <a:t> </a:t>
+            </a:r>
+            <a:r>
+              <a:rPr lang="en-US" sz="1600" dirty="0" err="1"/>
               <a:t>Funktion</a:t>
             </a:r>
             <a:r>
               <a:rPr lang="en-US" sz="1600" dirty="0"/>
-              <a:t> um Geld von dem </a:t>
+              <a:t>, um Geld von </a:t>
+            </a:r>
+            <a:r>
+              <a:rPr lang="en-US" sz="1600" dirty="0" err="1"/>
+              <a:t>deinem</a:t>
+            </a:r>
+            <a:r>
+              <a:rPr lang="en-US" sz="1600" dirty="0"/>
+              <a:t> </a:t>
             </a:r>
             <a:r>
               <a:rPr lang="en-US" sz="1600" dirty="0" err="1"/>
@@ -18734,11 +18774,11 @@
             </a:r>
             <a:r>
               <a:rPr lang="en-US" sz="1600" dirty="0"/>
-              <a:t> auf </a:t>
+              <a:t> auf das </a:t>
             </a:r>
             <a:r>
               <a:rPr lang="en-US" sz="1600" dirty="0" err="1"/>
-              <a:t>ein</a:t>
+              <a:t>Konto</a:t>
             </a:r>
             <a:r>
               <a:rPr lang="en-US" sz="1600" dirty="0"/>
@@ -18746,7 +18786,7 @@
             </a:r>
             <a:r>
               <a:rPr lang="en-US" sz="1600" dirty="0" err="1"/>
-              <a:t>anderes</a:t>
+              <a:t>eines</a:t>
             </a:r>
             <a:r>
               <a:rPr lang="en-US" sz="1600" dirty="0"/>
@@ -18754,7 +18794,7 @@
             </a:r>
             <a:r>
               <a:rPr lang="en-US" sz="1600" dirty="0" err="1"/>
-              <a:t>zu</a:t>
+              <a:t>Autohauses</a:t>
             </a:r>
             <a:r>
               <a:rPr lang="en-US" sz="1600" dirty="0"/>
@@ -18762,6 +18802,14 @@
             </a:r>
             <a:r>
               <a:rPr lang="en-US" sz="1600" dirty="0" err="1"/>
+              <a:t>zu</a:t>
+            </a:r>
+            <a:r>
+              <a:rPr lang="en-US" sz="1600" dirty="0"/>
+              <a:t> </a:t>
+            </a:r>
+            <a:r>
+              <a:rPr lang="en-US" sz="1600" dirty="0" err="1"/>
               <a:t>überweisen</a:t>
             </a:r>
             <a:r>
@@ -18786,7 +18834,7 @@
             </a:r>
             <a:r>
               <a:rPr lang="en-US" sz="1600" dirty="0" err="1"/>
-              <a:t>einen</a:t>
+              <a:t>auch</a:t>
             </a:r>
             <a:r>
               <a:rPr lang="en-US" sz="1600" dirty="0"/>
@@ -18794,7 +18842,7 @@
             </a:r>
             <a:r>
               <a:rPr lang="en-US" sz="1600" dirty="0" err="1"/>
-              <a:t>Überweisungsgrund</a:t>
+              <a:t>einen</a:t>
             </a:r>
             <a:r>
               <a:rPr lang="en-US" sz="1600" dirty="0"/>
@@ -18802,6 +18850,14 @@
             </a:r>
             <a:r>
               <a:rPr lang="en-US" sz="1600" dirty="0" err="1"/>
+              <a:t>Überweisungsgrund</a:t>
+            </a:r>
+            <a:r>
+              <a:rPr lang="en-US" sz="1600" dirty="0"/>
+              <a:t> </a:t>
+            </a:r>
+            <a:r>
+              <a:rPr lang="en-US" sz="1600" dirty="0" err="1"/>
               <a:t>haben</a:t>
             </a:r>
             <a:r>
@@ -18810,14 +18866,6 @@
             </a:r>
             <a:r>
               <a:rPr lang="en-US" sz="1600" dirty="0" err="1"/>
-              <a:t>Grund</a:t>
-            </a:r>
-            <a:r>
-              <a:rPr lang="en-US" sz="1600" dirty="0"/>
-              <a:t>, </a:t>
-            </a:r>
-            <a:r>
-              <a:rPr lang="en-US" sz="1600" dirty="0" err="1"/>
               <a:t>setzt</a:t>
             </a:r>
             <a:r>
@@ -18846,7 +18894,7 @@
             </a:r>
             <a:r>
               <a:rPr lang="en-US" sz="1600" dirty="0"/>
-              <a:t> und des </a:t>
+              <a:t> und dem </a:t>
             </a:r>
             <a:r>
               <a:rPr lang="en-US" sz="1600" dirty="0" err="1"/>
@@ -18862,11 +18910,11 @@
             </a:r>
             <a:r>
               <a:rPr lang="en-US" sz="1600" dirty="0"/>
-              <a:t>. Da du die </a:t>
+              <a:t>. </a:t>
             </a:r>
             <a:r>
               <a:rPr lang="en-US" sz="1600" dirty="0" err="1"/>
-              <a:t>Zusatzfunktion</a:t>
+              <a:t>Jede</a:t>
             </a:r>
             <a:r>
               <a:rPr lang="en-US" sz="1600" dirty="0"/>
@@ -18874,7 +18922,23 @@
             </a:r>
             <a:r>
               <a:rPr lang="en-US" sz="1600" dirty="0" err="1"/>
-              <a:t>zur</a:t>
+              <a:t>Transaktion</a:t>
+            </a:r>
+            <a:r>
+              <a:rPr lang="en-US" sz="1600" dirty="0"/>
+              <a:t> in Form des </a:t>
+            </a:r>
+            <a:r>
+              <a:rPr lang="en-US" sz="1600" dirty="0" err="1"/>
+              <a:t>Überweisungsgrund</a:t>
+            </a:r>
+            <a:r>
+              <a:rPr lang="en-US" sz="1600" dirty="0"/>
+              <a:t> in </a:t>
+            </a:r>
+            <a:r>
+              <a:rPr lang="en-US" sz="1600" dirty="0" err="1"/>
+              <a:t>einer</a:t>
             </a:r>
             <a:r>
               <a:rPr lang="en-US" sz="1600" dirty="0"/>
@@ -18882,15 +18946,7 @@
             </a:r>
             <a:r>
               <a:rPr lang="en-US" sz="1600" dirty="0" err="1"/>
-              <a:t>Einsicht</a:t>
-            </a:r>
-            <a:r>
-              <a:rPr lang="en-US" sz="1600" dirty="0"/>
-              <a:t> in das </a:t>
-            </a:r>
-            <a:r>
-              <a:rPr lang="en-US" sz="1600" dirty="0" err="1"/>
-              <a:t>ÜberweisungsLog</a:t>
+              <a:t>Liste</a:t>
             </a:r>
             <a:r>
               <a:rPr lang="en-US" sz="1600" dirty="0"/>
@@ -18898,7 +18954,7 @@
             </a:r>
             <a:r>
               <a:rPr lang="en-US" sz="1600" dirty="0" err="1"/>
-              <a:t>mit</a:t>
+              <a:t>gespeichert</a:t>
             </a:r>
             <a:r>
               <a:rPr lang="en-US" sz="1600" dirty="0"/>
@@ -18906,67 +18962,11 @@
             </a:r>
             <a:r>
               <a:rPr lang="en-US" sz="1600" dirty="0" err="1"/>
-              <a:t>gebucht</a:t>
+              <a:t>werden</a:t>
             </a:r>
             <a:r>
               <a:rPr lang="en-US" sz="1600" dirty="0"/>
-              <a:t> hast, </a:t>
-            </a:r>
-            <a:r>
-              <a:rPr lang="en-US" sz="1600" dirty="0" err="1"/>
-              <a:t>möchtest</a:t>
-            </a:r>
-            <a:r>
-              <a:rPr lang="en-US" sz="1600" dirty="0"/>
-              <a:t> du </a:t>
-            </a:r>
-            <a:r>
-              <a:rPr lang="en-US" sz="1600" dirty="0" err="1"/>
-              <a:t>dir</a:t>
-            </a:r>
-            <a:r>
-              <a:rPr lang="en-US" sz="1600" dirty="0"/>
-              <a:t> nun alle </a:t>
-            </a:r>
-            <a:r>
-              <a:rPr lang="en-US" sz="1600" dirty="0" err="1"/>
-              <a:t>bisher</a:t>
-            </a:r>
-            <a:r>
-              <a:rPr lang="en-US" sz="1600" dirty="0"/>
-              <a:t> </a:t>
-            </a:r>
-            <a:r>
-              <a:rPr lang="en-US" sz="1600" dirty="0" err="1"/>
-              <a:t>getätigten</a:t>
-            </a:r>
-            <a:r>
-              <a:rPr lang="en-US" sz="1600" dirty="0"/>
-              <a:t> </a:t>
-            </a:r>
-            <a:r>
-              <a:rPr lang="en-US" sz="1600" dirty="0" err="1"/>
-              <a:t>Überweisungen</a:t>
-            </a:r>
-            <a:r>
-              <a:rPr lang="en-US" sz="1600" dirty="0"/>
-              <a:t> </a:t>
-            </a:r>
-            <a:r>
-              <a:rPr lang="en-US" sz="1600" dirty="0" err="1"/>
-              <a:t>Ausgeben</a:t>
-            </a:r>
-            <a:r>
-              <a:rPr lang="en-US" sz="1600" dirty="0"/>
-              <a:t> </a:t>
-            </a:r>
-            <a:r>
-              <a:rPr lang="en-US" sz="1600" dirty="0" err="1"/>
-              <a:t>lassen</a:t>
-            </a:r>
-            <a:r>
-              <a:rPr lang="en-US" sz="1600" dirty="0"/>
-              <a:t>.</a:t>
+              <a:t>. </a:t>
             </a:r>
           </a:p>
           <a:p>
@@ -18979,26 +18979,71 @@
               </a:spcAft>
               <a:buNone/>
             </a:pPr>
-            <a:endParaRPr lang="en-US" sz="1600" dirty="0"/>
-          </a:p>
-          <a:p>
-            <a:pPr marL="0" lvl="0" indent="0" algn="l" rtl="0">
-              <a:spcBef>
-                <a:spcPts val="0"/>
-              </a:spcBef>
-              <a:spcAft>
-                <a:spcPts val="2100"/>
-              </a:spcAft>
-              <a:buNone/>
-            </a:pPr>
+            <a:r>
+              <a:rPr lang="en-US" sz="1600" dirty="0"/>
+              <a:t>Gib </a:t>
+            </a:r>
+            <a:r>
+              <a:rPr lang="en-US" sz="1600" dirty="0" err="1"/>
+              <a:t>deinen</a:t>
+            </a:r>
+            <a:r>
+              <a:rPr lang="en-US" sz="1600" dirty="0"/>
+              <a:t> </a:t>
+            </a:r>
             <a:r>
               <a:rPr lang="en-US" sz="1600" dirty="0" err="1"/>
               <a:t>Kontostand</a:t>
             </a:r>
             <a:r>
               <a:rPr lang="en-US" sz="1600" dirty="0"/>
-              <a:t>?</a:t>
-            </a:r>
+              <a:t> und die </a:t>
+            </a:r>
+            <a:r>
+              <a:rPr lang="en-US" sz="1600" dirty="0" err="1"/>
+              <a:t>Transaktionsliste</a:t>
+            </a:r>
+            <a:r>
+              <a:rPr lang="en-US" sz="1600" dirty="0"/>
+              <a:t> </a:t>
+            </a:r>
+            <a:r>
+              <a:rPr lang="en-US" sz="1600" dirty="0" err="1"/>
+              <a:t>deines</a:t>
+            </a:r>
+            <a:r>
+              <a:rPr lang="en-US" sz="1600" dirty="0"/>
+              <a:t> </a:t>
+            </a:r>
+            <a:r>
+              <a:rPr lang="en-US" sz="1600" dirty="0" err="1"/>
+              <a:t>Kontos</a:t>
+            </a:r>
+            <a:r>
+              <a:rPr lang="en-US" sz="1600" dirty="0"/>
+              <a:t> und </a:t>
+            </a:r>
+            <a:r>
+              <a:rPr lang="en-US" sz="1600" dirty="0" err="1"/>
+              <a:t>nach</a:t>
+            </a:r>
+            <a:r>
+              <a:rPr lang="en-US" sz="1600" dirty="0"/>
+              <a:t> der </a:t>
+            </a:r>
+            <a:r>
+              <a:rPr lang="en-US" sz="1600" dirty="0" err="1"/>
+              <a:t>Überweisung</a:t>
+            </a:r>
+            <a:r>
+              <a:rPr lang="en-US" sz="1600" dirty="0"/>
+              <a:t> </a:t>
+            </a:r>
+            <a:r>
+              <a:rPr lang="en-US" sz="1600" dirty="0" err="1"/>
+              <a:t>aus.</a:t>
+            </a:r>
+            <a:endParaRPr lang="en-US" sz="1600" dirty="0"/>
           </a:p>
         </p:txBody>
       </p:sp>
@@ -19656,18 +19701,34 @@
             </a:pPr>
             <a:r>
               <a:rPr lang="en" dirty="0"/>
-              <a:t>Wiederholung </a:t>
+              <a:t>Was </a:t>
+            </a:r>
+            <a:r>
+              <a:rPr lang="en" dirty="0" err="1"/>
+              <a:t>ist</a:t>
+            </a:r>
+            <a:r>
+              <a:rPr lang="en" dirty="0"/>
+              <a:t> </a:t>
+            </a:r>
+            <a:r>
+              <a:rPr lang="en" dirty="0" err="1"/>
+              <a:t>eine</a:t>
+            </a:r>
+            <a:r>
+              <a:rPr lang="en" dirty="0"/>
+              <a:t> </a:t>
             </a:r>
             <a:br>
               <a:rPr lang="en" dirty="0"/>
             </a:br>
             <a:r>
-              <a:rPr lang="en" dirty="0">
+              <a:rPr lang="en" dirty="0" err="1">
                 <a:solidFill>
                   <a:schemeClr val="accent1"/>
                 </a:solidFill>
               </a:rPr>
-              <a:t>Letzte Stunde</a:t>
+              <a:t>Klasse</a:t>
             </a:r>
             <a:endParaRPr dirty="0"/>
           </a:p>
@@ -19717,7 +19778,7 @@
                   <a:schemeClr val="accent1"/>
                 </a:solidFill>
               </a:rPr>
-              <a:t>Liste</a:t>
+              <a:t>Klassen</a:t>
             </a:r>
             <a:endParaRPr lang="en-US" dirty="0"/>
           </a:p>
@@ -19755,8 +19816,12 @@
               <a:buNone/>
             </a:pPr>
             <a:r>
+              <a:rPr lang="en" dirty="0" err="1"/>
+              <a:t>Challange</a:t>
+            </a:r>
+            <a:r>
               <a:rPr lang="en" dirty="0"/>
-              <a:t>Basics </a:t>
+              <a:t> </a:t>
             </a:r>
             <a:br>
               <a:rPr lang="en" dirty="0"/>
@@ -19767,7 +19832,23 @@
                   <a:schemeClr val="accent1"/>
                 </a:solidFill>
               </a:rPr>
-              <a:t>Funktionen </a:t>
+              <a:t>Auto </a:t>
+            </a:r>
+            <a:r>
+              <a:rPr lang="en" dirty="0" err="1">
+                <a:solidFill>
+                  <a:schemeClr val="accent1"/>
+                </a:solidFill>
+              </a:rPr>
+              <a:t>Klasse</a:t>
+            </a:r>
+            <a:r>
+              <a:rPr lang="en" dirty="0">
+                <a:solidFill>
+                  <a:schemeClr val="accent1"/>
+                </a:solidFill>
+              </a:rPr>
+              <a:t> </a:t>
             </a:r>
           </a:p>
         </p:txBody>
@@ -19804,8 +19885,8 @@
               <a:buNone/>
             </a:pPr>
             <a:r>
-              <a:rPr lang="en" dirty="0"/>
-              <a:t>Volle Dröhnung </a:t>
+              <a:rPr lang="en" dirty="0" err="1"/>
+              <a:t>Challange</a:t>
             </a:r>
             <a:br>
               <a:rPr lang="en" dirty="0"/>
@@ -19816,7 +19897,7 @@
                   <a:schemeClr val="accent1"/>
                 </a:solidFill>
               </a:rPr>
-              <a:t>Parameter </a:t>
+              <a:t>Auto &amp; Geld </a:t>
             </a:r>
           </a:p>
         </p:txBody>
@@ -19884,7 +19965,7 @@
         <p:spPr>
           <a:xfrm>
             <a:off x="8299375" y="2437574"/>
-            <a:ext cx="3294600" cy="1206300"/>
+            <a:ext cx="3401800" cy="1206300"/>
           </a:xfrm>
           <a:prstGeom prst="rect">
             <a:avLst/>
@@ -19903,8 +19984,12 @@
               <a:buNone/>
             </a:pPr>
             <a:r>
+              <a:rPr lang="en-GB" dirty="0"/>
+              <a:t>i</a:t>
+            </a:r>
+            <a:r>
               <a:rPr lang="en" dirty="0"/>
-              <a:t>Basics </a:t>
+              <a:t>nit, __str__ in</a:t>
             </a:r>
             <a:br>
               <a:rPr lang="en" dirty="0"/>
@@ -19915,7 +20000,7 @@
                   <a:schemeClr val="accent1"/>
                 </a:solidFill>
               </a:rPr>
-              <a:t>Funktionen </a:t>
+              <a:t>Klassen </a:t>
             </a:r>
           </a:p>
         </p:txBody>
@@ -19945,10 +20030,7 @@
           </a:bodyPr>
           <a:lstStyle/>
           <a:p>
-            <a:pPr marL="0" lvl="0" indent="0" algn="l" rtl="0">
-              <a:spcBef>
-                <a:spcPts val="0"/>
-              </a:spcBef>
+            <a:pPr marL="0" indent="0">
               <a:spcAft>
                 <a:spcPts val="2100"/>
               </a:spcAft>
@@ -19956,21 +20038,20 @@
             </a:pPr>
             <a:r>
               <a:rPr lang="en-US" dirty="0"/>
-              <a:t>DAS </a:t>
-            </a:r>
-            <a:r>
-              <a:rPr lang="en-US" dirty="0">
-                <a:solidFill>
-                  <a:schemeClr val="accent2"/>
+              <a:t>Basics</a:t>
+            </a:r>
+            <a:br>
+              <a:rPr lang="en-US" dirty="0"/>
+            </a:br>
+            <a:r>
+              <a:rPr lang="en" dirty="0">
+                <a:solidFill>
+                  <a:schemeClr val="accent1"/>
                 </a:solidFill>
               </a:rPr>
-              <a:t>QUIZ</a:t>
-            </a:r>
-            <a:endParaRPr dirty="0">
-              <a:solidFill>
-                <a:schemeClr val="accent2"/>
-              </a:solidFill>
-            </a:endParaRPr>
+              <a:t>Turtle</a:t>
+            </a:r>
+            <a:endParaRPr lang="en-US" dirty="0"/>
           </a:p>
         </p:txBody>
       </p:sp>
@@ -21958,13 +22039,13 @@
   <p:clrMapOvr>
     <a:masterClrMapping/>
   </p:clrMapOvr>
-  <mc:AlternateContent xmlns:mc="http://schemas.openxmlformats.org/markup-compatibility/2006">
-    <mc:Choice xmlns:p159="http://schemas.microsoft.com/office/powerpoint/2015/09/main" Requires="p159">
+  <mc:AlternateContent xmlns:mc="http://schemas.openxmlformats.org/markup-compatibility/2006" xmlns:p159="http://schemas.microsoft.com/office/powerpoint/2015/09/main">
+    <mc:Choice Requires="p159">
       <p:transition spd="med">
         <p159:morph option="byObject"/>
       </p:transition>
     </mc:Choice>
-    <mc:Fallback>
+    <mc:Fallback xmlns="">
       <p:transition spd="med">
         <p:fade/>
       </p:transition>
@@ -22307,13 +22388,13 @@
   <p:clrMapOvr>
     <a:masterClrMapping/>
   </p:clrMapOvr>
-  <mc:AlternateContent xmlns:mc="http://schemas.openxmlformats.org/markup-compatibility/2006">
-    <mc:Choice xmlns:p159="http://schemas.microsoft.com/office/powerpoint/2015/09/main" Requires="p159">
+  <mc:AlternateContent xmlns:mc="http://schemas.openxmlformats.org/markup-compatibility/2006" xmlns:p159="http://schemas.microsoft.com/office/powerpoint/2015/09/main">
+    <mc:Choice Requires="p159">
       <p:transition spd="med">
         <p159:morph option="byObject"/>
       </p:transition>
     </mc:Choice>
-    <mc:Fallback>
+    <mc:Fallback xmlns="">
       <p:transition spd="med">
         <p:fade/>
       </p:transition>
@@ -22601,13 +22682,13 @@
   <p:clrMapOvr>
     <a:masterClrMapping/>
   </p:clrMapOvr>
-  <mc:AlternateContent xmlns:mc="http://schemas.openxmlformats.org/markup-compatibility/2006">
-    <mc:Choice xmlns:p159="http://schemas.microsoft.com/office/powerpoint/2015/09/main" Requires="p159">
+  <mc:AlternateContent xmlns:mc="http://schemas.openxmlformats.org/markup-compatibility/2006" xmlns:p159="http://schemas.microsoft.com/office/powerpoint/2015/09/main">
+    <mc:Choice Requires="p159">
       <p:transition spd="med">
         <p159:morph option="byObject"/>
       </p:transition>
     </mc:Choice>
-    <mc:Fallback>
+    <mc:Fallback xmlns="">
       <p:transition spd="med">
         <p:fade/>
       </p:transition>

--- a/004/lesson_4.pptx
+++ b/004/lesson_4.pptx
@@ -28,7 +28,7 @@
   <p:notesSz cx="6858000" cy="9144000"/>
   <p:embeddedFontLst>
     <p:embeddedFont>
-      <p:font typeface="Abril Fatface" panose="02000503000000020003" pitchFamily="2" charset="77"/>
+      <p:font typeface="Abril Fatface" panose="020B0604020202020204" charset="0"/>
       <p:regular r:id="rId18"/>
     </p:embeddedFont>
     <p:embeddedFont>
@@ -46,7 +46,7 @@
       <p:boldItalic r:id="rId26"/>
     </p:embeddedFont>
     <p:embeddedFont>
-      <p:font typeface="Roboto Mono" pitchFamily="49" charset="0"/>
+      <p:font typeface="Roboto Mono" panose="020B0604020202020204" charset="0"/>
       <p:regular r:id="rId27"/>
       <p:bold r:id="rId28"/>
       <p:italic r:id="rId29"/>
@@ -9466,7 +9466,7 @@
             </a:pPr>
             <a:fld id="{00000000-1234-1234-1234-123412341234}" type="slidenum">
               <a:rPr lang="en"/>
-              <a:t>‹#›</a:t>
+              <a:t>‹Nr.›</a:t>
             </a:fld>
             <a:endParaRPr/>
           </a:p>
@@ -18502,7 +18502,15 @@
             </a:r>
             <a:r>
               <a:rPr lang="en-US" sz="1600" dirty="0"/>
-              <a:t> warden. </a:t>
+              <a:t> </a:t>
+            </a:r>
+            <a:r>
+              <a:rPr lang="en-US" sz="1600" dirty="0" err="1"/>
+              <a:t>werden</a:t>
+            </a:r>
+            <a:r>
+              <a:rPr lang="en-US" sz="1600" dirty="0"/>
+              <a:t>. </a:t>
             </a:r>
             <a:r>
               <a:rPr lang="en-US" sz="1600" dirty="0" err="1"/>
@@ -18618,11 +18626,11 @@
             </a:r>
             <a:r>
               <a:rPr lang="en-US" sz="1600" dirty="0" err="1"/>
-              <a:t>Nummer</a:t>
+              <a:t>Kunden</a:t>
             </a:r>
             <a:r>
               <a:rPr lang="en-US" sz="1600" dirty="0"/>
-              <a:t> (</a:t>
+              <a:t>-Nr. (</a:t>
             </a:r>
             <a:r>
               <a:rPr lang="en-US" sz="1600" dirty="0" err="1"/>
@@ -18922,11 +18930,27 @@
             </a:r>
             <a:r>
               <a:rPr lang="en-US" sz="1600" dirty="0" err="1"/>
-              <a:t>Transaktion</a:t>
+              <a:t>Überweisung</a:t>
             </a:r>
             <a:r>
               <a:rPr lang="en-US" sz="1600" dirty="0"/>
-              <a:t> in Form des </a:t>
+              <a:t> </a:t>
+            </a:r>
+            <a:r>
+              <a:rPr lang="en-US" sz="1600" dirty="0" err="1"/>
+              <a:t>wird</a:t>
+            </a:r>
+            <a:r>
+              <a:rPr lang="en-US" sz="1600" dirty="0"/>
+              <a:t> </a:t>
+            </a:r>
+            <a:r>
+              <a:rPr lang="en-US" sz="1600" dirty="0" err="1"/>
+              <a:t>mit</a:t>
+            </a:r>
+            <a:r>
+              <a:rPr lang="en-US" sz="1600" dirty="0"/>
+              <a:t> dem </a:t>
             </a:r>
             <a:r>
               <a:rPr lang="en-US" sz="1600" dirty="0" err="1"/>
@@ -18946,7 +18970,7 @@
             </a:r>
             <a:r>
               <a:rPr lang="en-US" sz="1600" dirty="0" err="1"/>
-              <a:t>Liste</a:t>
+              <a:t>Transaktionsliste</a:t>
             </a:r>
             <a:r>
               <a:rPr lang="en-US" sz="1600" dirty="0"/>
@@ -18955,14 +18979,6 @@
             <a:r>
               <a:rPr lang="en-US" sz="1600" dirty="0" err="1"/>
               <a:t>gespeichert</a:t>
-            </a:r>
-            <a:r>
-              <a:rPr lang="en-US" sz="1600" dirty="0"/>
-              <a:t> </a:t>
-            </a:r>
-            <a:r>
-              <a:rPr lang="en-US" sz="1600" dirty="0" err="1"/>
-              <a:t>werden</a:t>
             </a:r>
             <a:r>
               <a:rPr lang="en-US" sz="1600" dirty="0"/>
@@ -19021,7 +19037,7 @@
             </a:r>
             <a:r>
               <a:rPr lang="en-US" sz="1600" dirty="0"/>
-              <a:t> und </a:t>
+              <a:t> </a:t>
             </a:r>
             <a:r>
               <a:rPr lang="en-US" sz="1600" dirty="0" err="1"/>
@@ -22644,8 +22660,8 @@
         </p:nvSpPr>
         <p:spPr>
           <a:xfrm>
-            <a:off x="2957063" y="3606287"/>
-            <a:ext cx="1647825" cy="400110"/>
+            <a:off x="2686639" y="3606287"/>
+            <a:ext cx="1918249" cy="400110"/>
           </a:xfrm>
           <a:prstGeom prst="rect">
             <a:avLst/>
@@ -22667,7 +22683,7 @@
                 <a:ea typeface="Roboto Mono"/>
                 <a:sym typeface="Roboto Mono"/>
               </a:rPr>
-              <a:t>Attribute</a:t>
+              <a:t>Funktionen</a:t>
             </a:r>
           </a:p>
         </p:txBody>

--- a/004/lesson_4.pptx
+++ b/004/lesson_4.pptx
@@ -28,29 +28,26 @@
   <p:notesSz cx="6858000" cy="9144000"/>
   <p:embeddedFontLst>
     <p:embeddedFont>
-      <p:font typeface="Abril Fatface" panose="020B0604020202020204" charset="0"/>
+      <p:font typeface="Abril Fatface" panose="02000503000000020003" pitchFamily="2" charset="0"/>
       <p:regular r:id="rId18"/>
     </p:embeddedFont>
     <p:embeddedFont>
-      <p:font typeface="Calibri" panose="020F0502020204030204" pitchFamily="34" charset="0"/>
+      <p:font typeface="Aldrich" panose="02000000000000000000" pitchFamily="2" charset="0"/>
       <p:regular r:id="rId19"/>
-      <p:bold r:id="rId20"/>
-      <p:italic r:id="rId21"/>
-      <p:boldItalic r:id="rId22"/>
     </p:embeddedFont>
     <p:embeddedFont>
       <p:font typeface="Roboto" panose="02000000000000000000" pitchFamily="2" charset="0"/>
-      <p:regular r:id="rId23"/>
-      <p:bold r:id="rId24"/>
-      <p:italic r:id="rId25"/>
-      <p:boldItalic r:id="rId26"/>
+      <p:regular r:id="rId20"/>
+      <p:bold r:id="rId21"/>
+      <p:italic r:id="rId22"/>
+      <p:boldItalic r:id="rId23"/>
     </p:embeddedFont>
     <p:embeddedFont>
-      <p:font typeface="Roboto Mono" panose="020B0604020202020204" charset="0"/>
-      <p:regular r:id="rId27"/>
-      <p:bold r:id="rId28"/>
-      <p:italic r:id="rId29"/>
-      <p:boldItalic r:id="rId30"/>
+      <p:font typeface="Roboto Mono" panose="00000009000000000000" pitchFamily="49" charset="0"/>
+      <p:regular r:id="rId24"/>
+      <p:bold r:id="rId25"/>
+      <p:italic r:id="rId26"/>
+      <p:boldItalic r:id="rId27"/>
     </p:embeddedFont>
   </p:embeddedFontLst>
   <p:defaultTextStyle>
@@ -9466,7 +9463,7 @@
             </a:pPr>
             <a:fld id="{00000000-1234-1234-1234-123412341234}" type="slidenum">
               <a:rPr lang="en"/>
-              <a:t>‹Nr.›</a:t>
+              <a:t>‹#›</a:t>
             </a:fld>
             <a:endParaRPr/>
           </a:p>
@@ -18019,7 +18016,7 @@
             </a:pPr>
             <a:r>
               <a:rPr lang="en-US" dirty="0"/>
-              <a:t>CHALLANGE </a:t>
+              <a:t>CHALLENGE </a:t>
             </a:r>
             <a:r>
               <a:rPr lang="en" sz="6000" dirty="0">
@@ -18386,7 +18383,7 @@
             </a:pPr>
             <a:r>
               <a:rPr lang="en-US" dirty="0"/>
-              <a:t>CHALLANGE </a:t>
+              <a:t>CHALLENGE </a:t>
             </a:r>
             <a:r>
               <a:rPr lang="en" sz="6000" dirty="0">
